--- a/受控文档/00-PPT/PRD2018-G11-UML基础3.pptx
+++ b/受控文档/00-PPT/PRD2018-G11-UML基础3.pptx
@@ -131,7 +131,7 @@
   </p:defaultTextStyle>
   <p:extLst>
     <p:ext uri="{EFAFB233-063F-42B5-8137-9DF3F51BA10A}">
-      <p15:sldGuideLst xmlns:p15="http://schemas.microsoft.com/office/powerpoint/2012/main" xmlns="">
+      <p15:sldGuideLst xmlns:p15="http://schemas.microsoft.com/office/powerpoint/2012/main">
         <p15:guide id="1" orient="horz" pos="2228">
           <p15:clr>
             <a:srgbClr val="A4A3A4"/>
@@ -160,7 +160,7 @@
       </p15:sldGuideLst>
     </p:ext>
     <p:ext uri="{2D200454-40CA-4A62-9FC3-DE9A4176ACB9}">
-      <p15:notesGuideLst xmlns:p15="http://schemas.microsoft.com/office/powerpoint/2012/main" xmlns="">
+      <p15:notesGuideLst xmlns:p15="http://schemas.microsoft.com/office/powerpoint/2012/main">
         <p15:guide id="1" orient="horz" pos="2969">
           <p15:clr>
             <a:srgbClr val="A4A3A4"/>
@@ -259,7 +259,7 @@
           <a:p>
             <a:fld id="{5D1C15E6-6BD2-4E4B-B1D4-218C26E1B228}" type="datetimeFigureOut">
               <a:rPr lang="zh-CN" altLang="en-US" smtClean="0"/>
-              <a:t>2018/12/12</a:t>
+              <a:t>2018/12/23</a:t>
             </a:fld>
             <a:endParaRPr lang="zh-CN" altLang="en-US"/>
           </a:p>
@@ -424,7 +424,7 @@
           <a:p>
             <a:fld id="{0B17430C-5A66-4BD0-A971-34190B6C6019}" type="datetimeFigureOut">
               <a:rPr lang="zh-CN" altLang="en-US" smtClean="0"/>
-              <a:t>2018/12/12</a:t>
+              <a:t>2018/12/23</a:t>
             </a:fld>
             <a:endParaRPr lang="zh-CN" altLang="en-US"/>
           </a:p>
@@ -2327,7 +2327,7 @@
           <a:p>
             <a:fld id="{530820CF-B880-4189-942D-D702A7CBA730}" type="datetimeFigureOut">
               <a:rPr lang="zh-CN" altLang="en-US" smtClean="0"/>
-              <a:t>2018/12/12</a:t>
+              <a:t>2018/12/23</a:t>
             </a:fld>
             <a:endParaRPr lang="zh-CN" altLang="en-US"/>
           </a:p>
@@ -2444,7 +2444,7 @@
           <a:p>
             <a:fld id="{530820CF-B880-4189-942D-D702A7CBA730}" type="datetimeFigureOut">
               <a:rPr lang="zh-CN" altLang="en-US" smtClean="0"/>
-              <a:t>2018/12/12</a:t>
+              <a:t>2018/12/23</a:t>
             </a:fld>
             <a:endParaRPr lang="zh-CN" altLang="en-US"/>
           </a:p>
@@ -6556,14 +6556,14 @@
                 <a:gridCol w="3980815">
                   <a:extLst>
                     <a:ext uri="{9D8B030D-6E8A-4147-A177-3AD203B41FA5}">
-                      <a16:colId xmlns:a16="http://schemas.microsoft.com/office/drawing/2014/main" xmlns="" val="20000"/>
+                      <a16:colId xmlns:a16="http://schemas.microsoft.com/office/drawing/2014/main" val="20000"/>
                     </a:ext>
                   </a:extLst>
                 </a:gridCol>
                 <a:gridCol w="3980815">
                   <a:extLst>
                     <a:ext uri="{9D8B030D-6E8A-4147-A177-3AD203B41FA5}">
-                      <a16:colId xmlns:a16="http://schemas.microsoft.com/office/drawing/2014/main" xmlns="" val="20001"/>
+                      <a16:colId xmlns:a16="http://schemas.microsoft.com/office/drawing/2014/main" val="20001"/>
                     </a:ext>
                   </a:extLst>
                 </a:gridCol>
@@ -6603,7 +6603,7 @@
                 </a:tc>
                 <a:extLst>
                   <a:ext uri="{0D108BD9-81ED-4DB2-BD59-A6C34878D82A}">
-                    <a16:rowId xmlns:a16="http://schemas.microsoft.com/office/drawing/2014/main" xmlns="" val="10000"/>
+                    <a16:rowId xmlns:a16="http://schemas.microsoft.com/office/drawing/2014/main" val="10000"/>
                   </a:ext>
                 </a:extLst>
               </a:tr>
@@ -6642,7 +6642,7 @@
                 </a:tc>
                 <a:extLst>
                   <a:ext uri="{0D108BD9-81ED-4DB2-BD59-A6C34878D82A}">
-                    <a16:rowId xmlns:a16="http://schemas.microsoft.com/office/drawing/2014/main" xmlns="" val="10001"/>
+                    <a16:rowId xmlns:a16="http://schemas.microsoft.com/office/drawing/2014/main" val="10001"/>
                   </a:ext>
                 </a:extLst>
               </a:tr>
@@ -6681,7 +6681,7 @@
                 </a:tc>
                 <a:extLst>
                   <a:ext uri="{0D108BD9-81ED-4DB2-BD59-A6C34878D82A}">
-                    <a16:rowId xmlns:a16="http://schemas.microsoft.com/office/drawing/2014/main" xmlns="" val="10002"/>
+                    <a16:rowId xmlns:a16="http://schemas.microsoft.com/office/drawing/2014/main" val="10002"/>
                   </a:ext>
                 </a:extLst>
               </a:tr>
@@ -6720,7 +6720,7 @@
                 </a:tc>
                 <a:extLst>
                   <a:ext uri="{0D108BD9-81ED-4DB2-BD59-A6C34878D82A}">
-                    <a16:rowId xmlns:a16="http://schemas.microsoft.com/office/drawing/2014/main" xmlns="" val="10003"/>
+                    <a16:rowId xmlns:a16="http://schemas.microsoft.com/office/drawing/2014/main" val="10003"/>
                   </a:ext>
                 </a:extLst>
               </a:tr>
@@ -6759,7 +6759,7 @@
                 </a:tc>
                 <a:extLst>
                   <a:ext uri="{0D108BD9-81ED-4DB2-BD59-A6C34878D82A}">
-                    <a16:rowId xmlns:a16="http://schemas.microsoft.com/office/drawing/2014/main" xmlns="" val="10004"/>
+                    <a16:rowId xmlns:a16="http://schemas.microsoft.com/office/drawing/2014/main" val="10004"/>
                   </a:ext>
                 </a:extLst>
               </a:tr>
@@ -6798,7 +6798,7 @@
                 </a:tc>
                 <a:extLst>
                   <a:ext uri="{0D108BD9-81ED-4DB2-BD59-A6C34878D82A}">
-                    <a16:rowId xmlns:a16="http://schemas.microsoft.com/office/drawing/2014/main" xmlns="" val="10005"/>
+                    <a16:rowId xmlns:a16="http://schemas.microsoft.com/office/drawing/2014/main" val="10005"/>
                   </a:ext>
                 </a:extLst>
               </a:tr>
@@ -7842,8 +7842,8 @@
           </p:nvSpPr>
           <p:spPr>
             <a:xfrm>
-              <a:off x="318097" y="1923611"/>
-              <a:ext cx="7614729" cy="3785698"/>
+              <a:off x="318098" y="1923611"/>
+              <a:ext cx="7614729" cy="4093478"/>
             </a:xfrm>
             <a:prstGeom prst="rect">
               <a:avLst/>
@@ -7865,14 +7865,20 @@
                 <a:t>1.</a:t>
               </a:r>
               <a:r>
-                <a:rPr lang="zh-CN" altLang="en-US" sz="2000" dirty="0">
+                <a:rPr lang="zh-CN" altLang="en-US" sz="2000" dirty="0" smtClean="0">
                   <a:solidFill>
                     <a:srgbClr val="000000"/>
                   </a:solidFill>
                   <a:latin typeface="Verdana" panose="020B0604030504040204" pitchFamily="34" charset="0"/>
                 </a:rPr>
-                <a:t>引人关系</a:t>
+                <a:t>引入关系</a:t>
               </a:r>
+              <a:endParaRPr lang="zh-CN" altLang="en-US" sz="2000" dirty="0">
+                <a:solidFill>
+                  <a:srgbClr val="000000"/>
+                </a:solidFill>
+                <a:latin typeface="Verdana" panose="020B0604030504040204" pitchFamily="34" charset="0"/>
+              </a:endParaRPr>
             </a:p>
             <a:p>
               <a:r>
@@ -7891,7 +7897,16 @@
                   </a:solidFill>
                   <a:latin typeface="Verdana" panose="020B0604030504040204" pitchFamily="34" charset="0"/>
                 </a:rPr>
-                <a:t>人关系</a:t>
+                <a:t>入</a:t>
+              </a:r>
+              <a:r>
+                <a:rPr lang="zh-CN" altLang="en-US" sz="2000" dirty="0" smtClean="0">
+                  <a:solidFill>
+                    <a:srgbClr val="000000"/>
+                  </a:solidFill>
+                  <a:latin typeface="Verdana" panose="020B0604030504040204" pitchFamily="34" charset="0"/>
+                </a:rPr>
+                <a:t>关系</a:t>
               </a:r>
               <a:r>
                 <a:rPr lang="en-US" altLang="zh-CN" sz="2000" dirty="0">
@@ -10376,21 +10391,21 @@
                 <a:gridCol w="1895475">
                   <a:extLst>
                     <a:ext uri="{9D8B030D-6E8A-4147-A177-3AD203B41FA5}">
-                      <a16:colId xmlns:a16="http://schemas.microsoft.com/office/drawing/2014/main" xmlns="" val="20000"/>
+                      <a16:colId xmlns:a16="http://schemas.microsoft.com/office/drawing/2014/main" val="20000"/>
                     </a:ext>
                   </a:extLst>
                 </a:gridCol>
                 <a:gridCol w="2937510">
                   <a:extLst>
                     <a:ext uri="{9D8B030D-6E8A-4147-A177-3AD203B41FA5}">
-                      <a16:colId xmlns:a16="http://schemas.microsoft.com/office/drawing/2014/main" xmlns="" val="20001"/>
+                      <a16:colId xmlns:a16="http://schemas.microsoft.com/office/drawing/2014/main" val="20001"/>
                     </a:ext>
                   </a:extLst>
                 </a:gridCol>
                 <a:gridCol w="2938145">
                   <a:extLst>
                     <a:ext uri="{9D8B030D-6E8A-4147-A177-3AD203B41FA5}">
-                      <a16:colId xmlns:a16="http://schemas.microsoft.com/office/drawing/2014/main" xmlns="" val="20002"/>
+                      <a16:colId xmlns:a16="http://schemas.microsoft.com/office/drawing/2014/main" val="20002"/>
                     </a:ext>
                   </a:extLst>
                 </a:gridCol>
@@ -10501,7 +10516,7 @@
                 </a:tc>
                 <a:extLst>
                   <a:ext uri="{0D108BD9-81ED-4DB2-BD59-A6C34878D82A}">
-                    <a16:rowId xmlns:a16="http://schemas.microsoft.com/office/drawing/2014/main" xmlns="" val="10000"/>
+                    <a16:rowId xmlns:a16="http://schemas.microsoft.com/office/drawing/2014/main" val="10000"/>
                   </a:ext>
                 </a:extLst>
               </a:tr>
@@ -10584,7 +10599,7 @@
                 </a:tc>
                 <a:extLst>
                   <a:ext uri="{0D108BD9-81ED-4DB2-BD59-A6C34878D82A}">
-                    <a16:rowId xmlns:a16="http://schemas.microsoft.com/office/drawing/2014/main" xmlns="" val="10001"/>
+                    <a16:rowId xmlns:a16="http://schemas.microsoft.com/office/drawing/2014/main" val="10001"/>
                   </a:ext>
                 </a:extLst>
               </a:tr>
@@ -10688,7 +10703,7 @@
                 </a:tc>
                 <a:extLst>
                   <a:ext uri="{0D108BD9-81ED-4DB2-BD59-A6C34878D82A}">
-                    <a16:rowId xmlns:a16="http://schemas.microsoft.com/office/drawing/2014/main" xmlns="" val="10002"/>
+                    <a16:rowId xmlns:a16="http://schemas.microsoft.com/office/drawing/2014/main" val="10002"/>
                   </a:ext>
                 </a:extLst>
               </a:tr>
@@ -10809,7 +10824,7 @@
                 </a:tc>
                 <a:extLst>
                   <a:ext uri="{0D108BD9-81ED-4DB2-BD59-A6C34878D82A}">
-                    <a16:rowId xmlns:a16="http://schemas.microsoft.com/office/drawing/2014/main" xmlns="" val="10003"/>
+                    <a16:rowId xmlns:a16="http://schemas.microsoft.com/office/drawing/2014/main" val="10003"/>
                   </a:ext>
                 </a:extLst>
               </a:tr>
@@ -10916,7 +10931,7 @@
                 </a:tc>
                 <a:extLst>
                   <a:ext uri="{0D108BD9-81ED-4DB2-BD59-A6C34878D82A}">
-                    <a16:rowId xmlns:a16="http://schemas.microsoft.com/office/drawing/2014/main" xmlns="" val="10004"/>
+                    <a16:rowId xmlns:a16="http://schemas.microsoft.com/office/drawing/2014/main" val="10004"/>
                   </a:ext>
                 </a:extLst>
               </a:tr>
@@ -15910,7 +15925,24 @@
                   <a:ea typeface="宋体" panose="02010600030101010101" pitchFamily="2" charset="-122"/>
                   <a:cs typeface="+mn-cs"/>
                 </a:rPr>
-                <a:t>接口实现三部分</a:t>
+                <a:t>接口，实现</a:t>
+              </a:r>
+              <a:r>
+                <a:rPr kumimoji="0" lang="zh-CN" altLang="en-US" sz="2000" b="0" i="0" u="none" strike="noStrike" kern="1200" cap="none" spc="0" normalizeH="0" baseline="0" noProof="0" dirty="0" smtClean="0">
+                  <a:ln>
+                    <a:noFill/>
+                  </a:ln>
+                  <a:solidFill>
+                    <a:prstClr val="black"/>
+                  </a:solidFill>
+                  <a:effectLst/>
+                  <a:uLnTx/>
+                  <a:uFillTx/>
+                  <a:latin typeface="Calibri"/>
+                  <a:ea typeface="宋体" panose="02010600030101010101" pitchFamily="2" charset="-122"/>
+                  <a:cs typeface="+mn-cs"/>
+                </a:rPr>
+                <a:t>三部分</a:t>
               </a:r>
               <a:r>
                 <a:rPr kumimoji="0" lang="zh-CN" altLang="en-US" sz="2000" b="0" i="0" u="none" strike="noStrike" kern="1200" cap="none" spc="0" normalizeH="0" baseline="0" noProof="0" dirty="0">
@@ -20470,7 +20502,7 @@
   <a:extraClrSchemeLst/>
   <a:extLst>
     <a:ext uri="{05A4C25C-085E-4340-85A3-A5531E510DB2}">
-      <thm15:themeFamily xmlns:thm15="http://schemas.microsoft.com/office/thememl/2012/main" xmlns="" name="Office Theme" id="{62F939B6-93AF-4DB8-9C6B-D6C7DFDC589F}" vid="{4A3C46E8-61CC-4603-A589-7422A47A8E4A}"/>
+      <thm15:themeFamily xmlns:thm15="http://schemas.microsoft.com/office/thememl/2012/main" name="Office Theme" id="{62F939B6-93AF-4DB8-9C6B-D6C7DFDC589F}" vid="{4A3C46E8-61CC-4603-A589-7422A47A8E4A}"/>
     </a:ext>
   </a:extLst>
 </a:theme>
@@ -20760,7 +20792,7 @@
   <a:extraClrSchemeLst/>
   <a:extLst>
     <a:ext uri="{05A4C25C-085E-4340-85A3-A5531E510DB2}">
-      <thm15:themeFamily xmlns:thm15="http://schemas.microsoft.com/office/thememl/2012/main" xmlns="" name="Office Theme" id="{62F939B6-93AF-4DB8-9C6B-D6C7DFDC589F}" vid="{4A3C46E8-61CC-4603-A589-7422A47A8E4A}"/>
+      <thm15:themeFamily xmlns:thm15="http://schemas.microsoft.com/office/thememl/2012/main" name="Office Theme" id="{62F939B6-93AF-4DB8-9C6B-D6C7DFDC589F}" vid="{4A3C46E8-61CC-4603-A589-7422A47A8E4A}"/>
     </a:ext>
   </a:extLst>
 </a:theme>
@@ -21050,7 +21082,7 @@
   <a:extraClrSchemeLst/>
   <a:extLst>
     <a:ext uri="{05A4C25C-085E-4340-85A3-A5531E510DB2}">
-      <thm15:themeFamily xmlns:thm15="http://schemas.microsoft.com/office/thememl/2012/main" xmlns="" name="Office Theme" id="{62F939B6-93AF-4DB8-9C6B-D6C7DFDC589F}" vid="{4A3C46E8-61CC-4603-A589-7422A47A8E4A}"/>
+      <thm15:themeFamily xmlns:thm15="http://schemas.microsoft.com/office/thememl/2012/main" name="Office Theme" id="{62F939B6-93AF-4DB8-9C6B-D6C7DFDC589F}" vid="{4A3C46E8-61CC-4603-A589-7422A47A8E4A}"/>
     </a:ext>
   </a:extLst>
 </a:theme>
